--- a/praesentationen/socialtagging.pptx
+++ b/praesentationen/socialtagging.pptx
@@ -5,15 +5,18 @@
     <p:sldMasterId id="2147483648" r:id="rId1"/>
   </p:sldMasterIdLst>
   <p:notesMasterIdLst>
-    <p:notesMasterId r:id="rId5"/>
+    <p:notesMasterId r:id="rId8"/>
   </p:notesMasterIdLst>
   <p:handoutMasterIdLst>
-    <p:handoutMasterId r:id="rId6"/>
+    <p:handoutMasterId r:id="rId9"/>
   </p:handoutMasterIdLst>
   <p:sldIdLst>
     <p:sldId id="264" r:id="rId2"/>
     <p:sldId id="265" r:id="rId3"/>
     <p:sldId id="266" r:id="rId4"/>
+    <p:sldId id="267" r:id="rId5"/>
+    <p:sldId id="269" r:id="rId6"/>
+    <p:sldId id="270" r:id="rId7"/>
   </p:sldIdLst>
   <p:sldSz cx="9144000" cy="6858000" type="screen4x3"/>
   <p:notesSz cx="6888163" cy="9623425"/>
@@ -1990,17 +1993,57 @@
             </a:r>
             <a:r>
               <a:rPr lang="de-DE" dirty="0" smtClean="0"/>
-              <a:t> – </a:t>
-            </a:r>
-            <a:r>
-              <a:rPr lang="de-DE" dirty="0" smtClean="0"/>
-              <a:t>Tag </a:t>
+              <a:t> – Tag </a:t>
             </a:r>
             <a:r>
               <a:rPr lang="de-DE" dirty="0" err="1" smtClean="0"/>
               <a:t>Cloud</a:t>
             </a:r>
             <a:endParaRPr lang="de-DE" dirty="0"/>
+          </a:p>
+        </p:txBody>
+      </p:sp>
+      <p:sp>
+        <p:nvSpPr>
+          <p:cNvPr id="5" name="Textfeld 4"/>
+          <p:cNvSpPr txBox="1"/>
+          <p:nvPr/>
+        </p:nvSpPr>
+        <p:spPr>
+          <a:xfrm>
+            <a:off x="7286644" y="6215082"/>
+            <a:ext cx="1037463" cy="230832"/>
+          </a:xfrm>
+          <a:prstGeom prst="rect">
+            <a:avLst/>
+          </a:prstGeom>
+          <a:noFill/>
+        </p:spPr>
+        <p:txBody>
+          <a:bodyPr wrap="none" rtlCol="0">
+            <a:spAutoFit/>
+          </a:bodyPr>
+          <a:lstStyle/>
+          <a:p>
+            <a:r>
+              <a:rPr lang="de-DE" sz="900" i="1" dirty="0" smtClean="0">
+                <a:solidFill>
+                  <a:schemeClr val="tx2">
+                    <a:lumMod val="60000"/>
+                    <a:lumOff val="40000"/>
+                  </a:schemeClr>
+                </a:solidFill>
+              </a:rPr>
+              <a:t>Wortwolken.com</a:t>
+            </a:r>
+            <a:endParaRPr lang="de-DE" sz="900" i="1" dirty="0">
+              <a:solidFill>
+                <a:schemeClr val="tx2">
+                  <a:lumMod val="60000"/>
+                  <a:lumOff val="40000"/>
+                </a:schemeClr>
+              </a:solidFill>
+            </a:endParaRPr>
           </a:p>
         </p:txBody>
       </p:sp>
@@ -2462,7 +2505,7 @@
         <p:spPr>
           <a:xfrm>
             <a:off x="357158" y="1785926"/>
-            <a:ext cx="4286280" cy="400110"/>
+            <a:ext cx="8429684" cy="3170099"/>
           </a:xfrm>
           <a:prstGeom prst="rect">
             <a:avLst/>
@@ -2481,11 +2524,189 @@
             </a:pPr>
             <a:r>
               <a:rPr lang="de-DE" sz="2000" dirty="0" smtClean="0"/>
+              <a:t> „Frei“ bezieht sich nicht auf den Preis</a:t>
+            </a:r>
+          </a:p>
+          <a:p>
+            <a:pPr>
+              <a:buFont typeface="Arial" pitchFamily="34" charset="0"/>
+              <a:buChar char="•"/>
+            </a:pPr>
+            <a:r>
+              <a:rPr lang="de-DE" sz="2000" dirty="0" smtClean="0"/>
               <a:t> </a:t>
             </a:r>
             <a:r>
               <a:rPr lang="de-DE" sz="2000" dirty="0" smtClean="0"/>
-              <a:t>…</a:t>
+              <a:t> Freie </a:t>
+            </a:r>
+            <a:r>
+              <a:rPr lang="de-DE" sz="2000" dirty="0" smtClean="0"/>
+              <a:t>Software ist definiert durch:</a:t>
+            </a:r>
+          </a:p>
+          <a:p>
+            <a:pPr>
+              <a:buFont typeface="Arial" pitchFamily="34" charset="0"/>
+              <a:buChar char="•"/>
+            </a:pPr>
+            <a:endParaRPr lang="de-DE" sz="2000" dirty="0"/>
+          </a:p>
+          <a:p>
+            <a:r>
+              <a:rPr lang="de-DE" sz="2000" dirty="0" smtClean="0"/>
+              <a:t>	Die Freiheit,</a:t>
+            </a:r>
+          </a:p>
+          <a:p>
+            <a:endParaRPr lang="de-DE" sz="2000" dirty="0" smtClean="0"/>
+          </a:p>
+          <a:p>
+            <a:pPr lvl="3">
+              <a:buFont typeface="Arial" pitchFamily="34" charset="0"/>
+              <a:buChar char="•"/>
+            </a:pPr>
+            <a:r>
+              <a:rPr lang="de-DE" sz="2000" dirty="0" smtClean="0"/>
+              <a:t> das Programm für jeden Zweck auszuführen</a:t>
+            </a:r>
+          </a:p>
+          <a:p>
+            <a:pPr lvl="3">
+              <a:buFont typeface="Arial" pitchFamily="34" charset="0"/>
+              <a:buChar char="•"/>
+            </a:pPr>
+            <a:r>
+              <a:rPr lang="de-DE" sz="2000" dirty="0" smtClean="0"/>
+              <a:t> die Funktionsweise eines Programms zu untersuchen</a:t>
+            </a:r>
+          </a:p>
+          <a:p>
+            <a:pPr lvl="3">
+              <a:buFont typeface="Arial" pitchFamily="34" charset="0"/>
+              <a:buChar char="•"/>
+            </a:pPr>
+            <a:r>
+              <a:rPr lang="de-DE" sz="2000" dirty="0" smtClean="0"/>
+              <a:t> Kopien weiter zu geben</a:t>
+            </a:r>
+          </a:p>
+          <a:p>
+            <a:pPr lvl="3">
+              <a:buFont typeface="Arial" pitchFamily="34" charset="0"/>
+              <a:buChar char="•"/>
+            </a:pPr>
+            <a:r>
+              <a:rPr lang="de-DE" sz="2000" dirty="0" smtClean="0"/>
+              <a:t> ein Programm zu verbessern </a:t>
+            </a:r>
+          </a:p>
+          <a:p>
+            <a:pPr>
+              <a:buFont typeface="Arial" pitchFamily="34" charset="0"/>
+              <a:buChar char="•"/>
+            </a:pPr>
+            <a:endParaRPr lang="de-DE" sz="2000" dirty="0" smtClean="0"/>
+          </a:p>
+        </p:txBody>
+      </p:sp>
+      <p:sp>
+        <p:nvSpPr>
+          <p:cNvPr id="6" name="Textfeld 5"/>
+          <p:cNvSpPr txBox="1"/>
+          <p:nvPr/>
+        </p:nvSpPr>
+        <p:spPr>
+          <a:xfrm>
+            <a:off x="3500430" y="5286388"/>
+            <a:ext cx="1016625" cy="400110"/>
+          </a:xfrm>
+          <a:prstGeom prst="rect">
+            <a:avLst/>
+          </a:prstGeom>
+          <a:noFill/>
+        </p:spPr>
+        <p:txBody>
+          <a:bodyPr wrap="none" rtlCol="0">
+            <a:spAutoFit/>
+          </a:bodyPr>
+          <a:lstStyle/>
+          <a:p>
+            <a:pPr>
+              <a:buFont typeface="Arial" pitchFamily="34" charset="0"/>
+              <a:buChar char="•"/>
+            </a:pPr>
+            <a:r>
+              <a:rPr lang="de-DE" sz="2000" dirty="0" smtClean="0"/>
+              <a:t> EUPL</a:t>
+            </a:r>
+            <a:endParaRPr lang="de-DE" sz="2000" dirty="0"/>
+          </a:p>
+        </p:txBody>
+      </p:sp>
+      <p:sp>
+        <p:nvSpPr>
+          <p:cNvPr id="7" name="Textfeld 6"/>
+          <p:cNvSpPr txBox="1"/>
+          <p:nvPr/>
+        </p:nvSpPr>
+        <p:spPr>
+          <a:xfrm>
+            <a:off x="5500694" y="5286388"/>
+            <a:ext cx="785793" cy="400110"/>
+          </a:xfrm>
+          <a:prstGeom prst="rect">
+            <a:avLst/>
+          </a:prstGeom>
+          <a:noFill/>
+        </p:spPr>
+        <p:txBody>
+          <a:bodyPr wrap="none" rtlCol="0">
+            <a:spAutoFit/>
+          </a:bodyPr>
+          <a:lstStyle/>
+          <a:p>
+            <a:pPr>
+              <a:buFont typeface="Arial" pitchFamily="34" charset="0"/>
+              <a:buChar char="•"/>
+            </a:pPr>
+            <a:r>
+              <a:rPr lang="de-DE" sz="2000" dirty="0" smtClean="0"/>
+              <a:t> MIT</a:t>
+            </a:r>
+            <a:endParaRPr lang="de-DE" sz="2000" dirty="0"/>
+          </a:p>
+        </p:txBody>
+      </p:sp>
+      <p:sp>
+        <p:nvSpPr>
+          <p:cNvPr id="8" name="Textfeld 7"/>
+          <p:cNvSpPr txBox="1"/>
+          <p:nvPr/>
+        </p:nvSpPr>
+        <p:spPr>
+          <a:xfrm>
+            <a:off x="1714480" y="5286388"/>
+            <a:ext cx="857927" cy="400110"/>
+          </a:xfrm>
+          <a:prstGeom prst="rect">
+            <a:avLst/>
+          </a:prstGeom>
+          <a:noFill/>
+        </p:spPr>
+        <p:txBody>
+          <a:bodyPr wrap="none" rtlCol="0">
+            <a:spAutoFit/>
+          </a:bodyPr>
+          <a:lstStyle/>
+          <a:p>
+            <a:pPr>
+              <a:buFont typeface="Arial" pitchFamily="34" charset="0"/>
+              <a:buChar char="•"/>
+            </a:pPr>
+            <a:r>
+              <a:rPr lang="de-DE" sz="2000" dirty="0" smtClean="0"/>
+              <a:t> GPL</a:t>
             </a:r>
             <a:endParaRPr lang="de-DE" sz="2000" dirty="0"/>
           </a:p>
@@ -2497,6 +2718,672 @@
         <p14:creationId xmlns:p14="http://schemas.microsoft.com/office/powerpoint/2010/main" xmlns="" val="1146551740"/>
       </p:ext>
     </p:extLst>
+  </p:cSld>
+  <p:clrMapOvr>
+    <a:masterClrMapping/>
+  </p:clrMapOvr>
+</p:sld>
+</file>
+
+<file path=ppt/slides/slide4.xml><?xml version="1.0" encoding="utf-8"?>
+<p:sld xmlns:a="http://schemas.openxmlformats.org/drawingml/2006/main" xmlns:r="http://schemas.openxmlformats.org/officeDocument/2006/relationships" xmlns:p="http://schemas.openxmlformats.org/presentationml/2006/main">
+  <p:cSld>
+    <p:spTree>
+      <p:nvGrpSpPr>
+        <p:cNvPr id="1" name=""/>
+        <p:cNvGrpSpPr/>
+        <p:nvPr/>
+      </p:nvGrpSpPr>
+      <p:grpSpPr>
+        <a:xfrm>
+          <a:off x="0" y="0"/>
+          <a:ext cx="0" cy="0"/>
+          <a:chOff x="0" y="0"/>
+          <a:chExt cx="0" cy="0"/>
+        </a:xfrm>
+      </p:grpSpPr>
+      <p:sp>
+        <p:nvSpPr>
+          <p:cNvPr id="4" name="Inhaltsplatzhalter 3"/>
+          <p:cNvSpPr>
+            <a:spLocks noGrp="1"/>
+          </p:cNvSpPr>
+          <p:nvPr>
+            <p:ph idx="1"/>
+          </p:nvPr>
+        </p:nvSpPr>
+        <p:spPr/>
+        <p:txBody>
+          <a:bodyPr/>
+          <a:lstStyle/>
+          <a:p>
+            <a:r>
+              <a:rPr lang="de-DE" dirty="0" smtClean="0"/>
+              <a:t>Beginn: 1992 als Titelbild eines Buches</a:t>
+            </a:r>
+          </a:p>
+          <a:p>
+            <a:pPr>
+              <a:buNone/>
+            </a:pPr>
+            <a:r>
+              <a:rPr lang="de-DE" dirty="0" smtClean="0"/>
+              <a:t>	</a:t>
+            </a:r>
+            <a:r>
+              <a:rPr lang="de-DE" sz="1600" dirty="0" smtClean="0"/>
+              <a:t>(von </a:t>
+            </a:r>
+            <a:r>
+              <a:rPr lang="de-DE" sz="1600" dirty="0" smtClean="0"/>
+              <a:t>Félix </a:t>
+            </a:r>
+            <a:r>
+              <a:rPr lang="de-DE" sz="1600" dirty="0" err="1" smtClean="0"/>
+              <a:t>Guattari</a:t>
+            </a:r>
+            <a:r>
+              <a:rPr lang="de-DE" sz="1600" dirty="0" smtClean="0"/>
+              <a:t>, Gilles Deleuze</a:t>
+            </a:r>
+            <a:r>
+              <a:rPr lang="de-DE" sz="1600" dirty="0" smtClean="0"/>
+              <a:t>)</a:t>
+            </a:r>
+            <a:endParaRPr lang="de-DE" sz="1600" dirty="0" smtClean="0"/>
+          </a:p>
+          <a:p>
+            <a:endParaRPr lang="de-DE" dirty="0" smtClean="0"/>
+          </a:p>
+          <a:p>
+            <a:r>
+              <a:rPr lang="de-DE" dirty="0" smtClean="0"/>
+              <a:t>In heutiger Form erstmals von</a:t>
+            </a:r>
+          </a:p>
+          <a:p>
+            <a:pPr>
+              <a:buNone/>
+            </a:pPr>
+            <a:r>
+              <a:rPr lang="de-DE" dirty="0" smtClean="0"/>
+              <a:t>	</a:t>
+            </a:r>
+            <a:r>
+              <a:rPr lang="de-DE" dirty="0" smtClean="0"/>
+              <a:t>Jim Flanagan eingesetzt 2002</a:t>
+            </a:r>
+            <a:endParaRPr lang="de-DE" dirty="0" smtClean="0"/>
+          </a:p>
+          <a:p>
+            <a:pPr>
+              <a:buNone/>
+            </a:pPr>
+            <a:r>
+              <a:rPr lang="de-DE" dirty="0" smtClean="0"/>
+              <a:t>	als gewichtete Liste</a:t>
+            </a:r>
+          </a:p>
+          <a:p>
+            <a:pPr>
+              <a:buNone/>
+            </a:pPr>
+            <a:endParaRPr lang="de-DE" dirty="0" smtClean="0"/>
+          </a:p>
+          <a:p>
+            <a:pPr>
+              <a:buNone/>
+            </a:pPr>
+            <a:endParaRPr lang="de-DE" dirty="0" smtClean="0"/>
+          </a:p>
+          <a:p>
+            <a:pPr>
+              <a:buNone/>
+            </a:pPr>
+            <a:r>
+              <a:rPr lang="de-DE" dirty="0" smtClean="0">
+                <a:solidFill>
+                  <a:srgbClr val="F88C21"/>
+                </a:solidFill>
+              </a:rPr>
+              <a:t>Bekannte Online Tools bisher:</a:t>
+            </a:r>
+            <a:endParaRPr lang="de-DE" dirty="0" smtClean="0">
+              <a:solidFill>
+                <a:srgbClr val="F88C21"/>
+              </a:solidFill>
+            </a:endParaRPr>
+          </a:p>
+          <a:p>
+            <a:endParaRPr lang="de-DE" dirty="0" smtClean="0"/>
+          </a:p>
+          <a:p>
+            <a:r>
+              <a:rPr lang="de-DE" dirty="0" smtClean="0"/>
+              <a:t>Wordle.net</a:t>
+            </a:r>
+            <a:endParaRPr lang="de-DE" dirty="0" smtClean="0"/>
+          </a:p>
+          <a:p>
+            <a:r>
+              <a:rPr lang="de-DE" dirty="0" smtClean="0"/>
+              <a:t>Wortwolken.com</a:t>
+            </a:r>
+          </a:p>
+          <a:p>
+            <a:r>
+              <a:rPr lang="de-DE" dirty="0" smtClean="0"/>
+              <a:t>Worditout.com</a:t>
+            </a:r>
+            <a:endParaRPr lang="de-DE" dirty="0" smtClean="0"/>
+          </a:p>
+        </p:txBody>
+      </p:sp>
+      <p:sp>
+        <p:nvSpPr>
+          <p:cNvPr id="3" name="Titel 2"/>
+          <p:cNvSpPr>
+            <a:spLocks noGrp="1"/>
+          </p:cNvSpPr>
+          <p:nvPr>
+            <p:ph type="title"/>
+          </p:nvPr>
+        </p:nvSpPr>
+        <p:spPr/>
+        <p:txBody>
+          <a:bodyPr/>
+          <a:lstStyle/>
+          <a:p>
+            <a:r>
+              <a:rPr lang="de-DE" dirty="0" smtClean="0"/>
+              <a:t>Historie</a:t>
+            </a:r>
+            <a:endParaRPr lang="de-DE" dirty="0"/>
+          </a:p>
+        </p:txBody>
+      </p:sp>
+      <p:pic>
+        <p:nvPicPr>
+          <p:cNvPr id="2050" name="Picture 2" descr="I:\Projekt\tausend_plateaus.jpg"/>
+          <p:cNvPicPr>
+            <a:picLocks noChangeAspect="1" noChangeArrowheads="1"/>
+          </p:cNvPicPr>
+          <p:nvPr/>
+        </p:nvPicPr>
+        <p:blipFill>
+          <a:blip r:embed="rId2"/>
+          <a:srcRect/>
+          <a:stretch>
+            <a:fillRect/>
+          </a:stretch>
+        </p:blipFill>
+        <p:spPr bwMode="auto">
+          <a:xfrm>
+            <a:off x="5572132" y="1071546"/>
+            <a:ext cx="2890837" cy="1954756"/>
+          </a:xfrm>
+          <a:prstGeom prst="rect">
+            <a:avLst/>
+          </a:prstGeom>
+          <a:noFill/>
+        </p:spPr>
+      </p:pic>
+    </p:spTree>
+  </p:cSld>
+  <p:clrMapOvr>
+    <a:masterClrMapping/>
+  </p:clrMapOvr>
+</p:sld>
+</file>
+
+<file path=ppt/slides/slide5.xml><?xml version="1.0" encoding="utf-8"?>
+<p:sld xmlns:a="http://schemas.openxmlformats.org/drawingml/2006/main" xmlns:r="http://schemas.openxmlformats.org/officeDocument/2006/relationships" xmlns:p="http://schemas.openxmlformats.org/presentationml/2006/main">
+  <p:cSld>
+    <p:spTree>
+      <p:nvGrpSpPr>
+        <p:cNvPr id="1" name=""/>
+        <p:cNvGrpSpPr/>
+        <p:nvPr/>
+      </p:nvGrpSpPr>
+      <p:grpSpPr>
+        <a:xfrm>
+          <a:off x="0" y="0"/>
+          <a:ext cx="0" cy="0"/>
+          <a:chOff x="0" y="0"/>
+          <a:chExt cx="0" cy="0"/>
+        </a:xfrm>
+      </p:grpSpPr>
+      <p:sp>
+        <p:nvSpPr>
+          <p:cNvPr id="5" name="Inhaltsplatzhalter 4"/>
+          <p:cNvSpPr>
+            <a:spLocks noGrp="1"/>
+          </p:cNvSpPr>
+          <p:nvPr>
+            <p:ph idx="1"/>
+          </p:nvPr>
+        </p:nvSpPr>
+        <p:spPr>
+          <a:xfrm>
+            <a:off x="432000" y="1052736"/>
+            <a:ext cx="4354314" cy="5256584"/>
+          </a:xfrm>
+        </p:spPr>
+        <p:txBody>
+          <a:bodyPr/>
+          <a:lstStyle/>
+          <a:p>
+            <a:r>
+              <a:rPr lang="de-DE" dirty="0" err="1" smtClean="0"/>
+              <a:t>addywaddy</a:t>
+            </a:r>
+            <a:r>
+              <a:rPr lang="de-DE" dirty="0" smtClean="0"/>
+              <a:t>/</a:t>
+            </a:r>
+            <a:r>
+              <a:rPr lang="de-DE" dirty="0" err="1" smtClean="0"/>
+              <a:t>jquery.tagcloud.js</a:t>
+            </a:r>
+            <a:endParaRPr lang="de-DE" dirty="0" smtClean="0"/>
+          </a:p>
+          <a:p>
+            <a:pPr>
+              <a:buNone/>
+            </a:pPr>
+            <a:endParaRPr lang="de-DE" dirty="0" smtClean="0"/>
+          </a:p>
+          <a:p>
+            <a:pPr lvl="1"/>
+            <a:r>
+              <a:rPr lang="de-DE" dirty="0" err="1" smtClean="0"/>
+              <a:t>Plugin</a:t>
+            </a:r>
+            <a:r>
+              <a:rPr lang="de-DE" dirty="0" smtClean="0"/>
+              <a:t> für </a:t>
+            </a:r>
+            <a:r>
+              <a:rPr lang="de-DE" dirty="0" err="1" smtClean="0"/>
+              <a:t>Jquery</a:t>
+            </a:r>
+            <a:endParaRPr lang="de-DE" dirty="0" smtClean="0"/>
+          </a:p>
+          <a:p>
+            <a:pPr lvl="1"/>
+            <a:r>
+              <a:rPr lang="de-DE" dirty="0" err="1" smtClean="0"/>
+              <a:t>License</a:t>
+            </a:r>
+            <a:r>
+              <a:rPr lang="de-DE" dirty="0" smtClean="0"/>
+              <a:t>: Copyright ©</a:t>
+            </a:r>
+          </a:p>
+          <a:p>
+            <a:pPr lvl="1"/>
+            <a:r>
+              <a:rPr lang="de-DE" dirty="0" smtClean="0"/>
+              <a:t>Gewichtung per Link</a:t>
+            </a:r>
+          </a:p>
+          <a:p>
+            <a:pPr lvl="1"/>
+            <a:r>
+              <a:rPr lang="de-DE" dirty="0" smtClean="0"/>
+              <a:t>Version: 1.0.0</a:t>
+            </a:r>
+          </a:p>
+          <a:p>
+            <a:pPr lvl="1"/>
+            <a:r>
+              <a:rPr lang="de-DE" dirty="0" smtClean="0"/>
+              <a:t>Sprache: </a:t>
+            </a:r>
+            <a:r>
+              <a:rPr lang="de-DE" dirty="0" err="1" smtClean="0"/>
+              <a:t>Javascript</a:t>
+            </a:r>
+            <a:endParaRPr lang="de-DE" dirty="0" smtClean="0"/>
+          </a:p>
+          <a:p>
+            <a:pPr lvl="1"/>
+            <a:endParaRPr lang="de-DE" dirty="0" smtClean="0"/>
+          </a:p>
+          <a:p>
+            <a:pPr>
+              <a:buNone/>
+            </a:pPr>
+            <a:endParaRPr lang="de-DE" dirty="0" smtClean="0"/>
+          </a:p>
+          <a:p>
+            <a:pPr>
+              <a:buNone/>
+            </a:pPr>
+            <a:endParaRPr lang="de-DE" dirty="0"/>
+          </a:p>
+        </p:txBody>
+      </p:sp>
+      <p:sp>
+        <p:nvSpPr>
+          <p:cNvPr id="3" name="Titel 2"/>
+          <p:cNvSpPr>
+            <a:spLocks noGrp="1"/>
+          </p:cNvSpPr>
+          <p:nvPr>
+            <p:ph type="title"/>
+          </p:nvPr>
+        </p:nvSpPr>
+        <p:spPr/>
+        <p:txBody>
+          <a:bodyPr/>
+          <a:lstStyle/>
+          <a:p>
+            <a:r>
+              <a:rPr lang="de-DE" dirty="0" smtClean="0"/>
+              <a:t>Software Beispiel</a:t>
+            </a:r>
+            <a:endParaRPr lang="de-DE" dirty="0"/>
+          </a:p>
+        </p:txBody>
+      </p:sp>
+      <p:pic>
+        <p:nvPicPr>
+          <p:cNvPr id="1026" name="Picture 2" descr="I:\Projekt\Bildschirmfoto_2016-10-16_19-28-30.png"/>
+          <p:cNvPicPr>
+            <a:picLocks noChangeAspect="1" noChangeArrowheads="1"/>
+          </p:cNvPicPr>
+          <p:nvPr/>
+        </p:nvPicPr>
+        <p:blipFill>
+          <a:blip r:embed="rId2"/>
+          <a:srcRect/>
+          <a:stretch>
+            <a:fillRect/>
+          </a:stretch>
+        </p:blipFill>
+        <p:spPr bwMode="auto">
+          <a:xfrm>
+            <a:off x="3857620" y="2000240"/>
+            <a:ext cx="5056644" cy="3727072"/>
+          </a:xfrm>
+          <a:prstGeom prst="rect">
+            <a:avLst/>
+          </a:prstGeom>
+          <a:noFill/>
+        </p:spPr>
+      </p:pic>
+    </p:spTree>
+  </p:cSld>
+  <p:clrMapOvr>
+    <a:masterClrMapping/>
+  </p:clrMapOvr>
+</p:sld>
+</file>
+
+<file path=ppt/slides/slide6.xml><?xml version="1.0" encoding="utf-8"?>
+<p:sld xmlns:a="http://schemas.openxmlformats.org/drawingml/2006/main" xmlns:r="http://schemas.openxmlformats.org/officeDocument/2006/relationships" xmlns:p="http://schemas.openxmlformats.org/presentationml/2006/main">
+  <p:cSld>
+    <p:spTree>
+      <p:nvGrpSpPr>
+        <p:cNvPr id="1" name=""/>
+        <p:cNvGrpSpPr/>
+        <p:nvPr/>
+      </p:nvGrpSpPr>
+      <p:grpSpPr>
+        <a:xfrm>
+          <a:off x="0" y="0"/>
+          <a:ext cx="0" cy="0"/>
+          <a:chOff x="0" y="0"/>
+          <a:chExt cx="0" cy="0"/>
+        </a:xfrm>
+      </p:grpSpPr>
+      <p:sp>
+        <p:nvSpPr>
+          <p:cNvPr id="5" name="Inhaltsplatzhalter 4"/>
+          <p:cNvSpPr>
+            <a:spLocks noGrp="1"/>
+          </p:cNvSpPr>
+          <p:nvPr>
+            <p:ph idx="1"/>
+          </p:nvPr>
+        </p:nvSpPr>
+        <p:spPr>
+          <a:xfrm>
+            <a:off x="642910" y="1071546"/>
+            <a:ext cx="3643338" cy="5256584"/>
+          </a:xfrm>
+        </p:spPr>
+        <p:txBody>
+          <a:bodyPr/>
+          <a:lstStyle/>
+          <a:p>
+            <a:r>
+              <a:rPr lang="de-DE" dirty="0" err="1" smtClean="0"/>
+              <a:t>n</a:t>
+            </a:r>
+            <a:r>
+              <a:rPr lang="de-DE" dirty="0" err="1" smtClean="0"/>
+              <a:t>eopoly</a:t>
+            </a:r>
+            <a:r>
+              <a:rPr lang="de-DE" dirty="0" smtClean="0"/>
+              <a:t>/</a:t>
+            </a:r>
+            <a:r>
+              <a:rPr lang="de-DE" dirty="0" err="1" smtClean="0"/>
+              <a:t>tagcloud</a:t>
+            </a:r>
+            <a:endParaRPr lang="de-DE" dirty="0" smtClean="0"/>
+          </a:p>
+          <a:p>
+            <a:pPr>
+              <a:buNone/>
+            </a:pPr>
+            <a:endParaRPr lang="de-DE" dirty="0" smtClean="0"/>
+          </a:p>
+          <a:p>
+            <a:pPr lvl="1"/>
+            <a:r>
+              <a:rPr lang="de-DE" dirty="0" err="1" smtClean="0"/>
+              <a:t>Wordcram</a:t>
+            </a:r>
+            <a:r>
+              <a:rPr lang="de-DE" dirty="0" smtClean="0"/>
+              <a:t>, Java-</a:t>
+            </a:r>
+            <a:r>
+              <a:rPr lang="de-DE" dirty="0" err="1" smtClean="0"/>
+              <a:t>Lib</a:t>
+            </a:r>
+            <a:endParaRPr lang="de-DE" dirty="0" smtClean="0"/>
+          </a:p>
+          <a:p>
+            <a:pPr lvl="1"/>
+            <a:r>
+              <a:rPr lang="de-DE" dirty="0" err="1" smtClean="0"/>
+              <a:t>License</a:t>
+            </a:r>
+            <a:r>
+              <a:rPr lang="de-DE" dirty="0" smtClean="0"/>
+              <a:t>: MIT</a:t>
+            </a:r>
+          </a:p>
+          <a:p>
+            <a:pPr lvl="1"/>
+            <a:r>
+              <a:rPr lang="de-DE" dirty="0" smtClean="0"/>
+              <a:t>Input.txt</a:t>
+            </a:r>
+          </a:p>
+          <a:p>
+            <a:pPr lvl="1"/>
+            <a:r>
+              <a:rPr lang="de-DE" dirty="0" err="1" smtClean="0"/>
+              <a:t>Umrissbild</a:t>
+            </a:r>
+            <a:endParaRPr lang="de-DE" dirty="0" smtClean="0"/>
+          </a:p>
+          <a:p>
+            <a:pPr lvl="1"/>
+            <a:r>
+              <a:rPr lang="de-DE" dirty="0" smtClean="0"/>
+              <a:t>Version: 1.0</a:t>
+            </a:r>
+          </a:p>
+          <a:p>
+            <a:pPr lvl="1"/>
+            <a:r>
+              <a:rPr lang="de-DE" dirty="0" smtClean="0"/>
+              <a:t>Sprache: Java</a:t>
+            </a:r>
+          </a:p>
+          <a:p>
+            <a:pPr lvl="1"/>
+            <a:endParaRPr lang="de-DE" dirty="0" smtClean="0"/>
+          </a:p>
+          <a:p>
+            <a:pPr lvl="1"/>
+            <a:endParaRPr lang="de-DE" dirty="0" smtClean="0"/>
+          </a:p>
+          <a:p>
+            <a:pPr lvl="1"/>
+            <a:endParaRPr lang="de-DE" dirty="0" smtClean="0"/>
+          </a:p>
+          <a:p>
+            <a:pPr>
+              <a:buNone/>
+            </a:pPr>
+            <a:endParaRPr lang="de-DE" dirty="0" smtClean="0"/>
+          </a:p>
+          <a:p>
+            <a:pPr>
+              <a:buNone/>
+            </a:pPr>
+            <a:endParaRPr lang="de-DE" dirty="0" smtClean="0"/>
+          </a:p>
+          <a:p>
+            <a:pPr>
+              <a:buNone/>
+            </a:pPr>
+            <a:endParaRPr lang="de-DE" dirty="0" smtClean="0"/>
+          </a:p>
+          <a:p>
+            <a:pPr>
+              <a:buNone/>
+            </a:pPr>
+            <a:endParaRPr lang="de-DE" dirty="0" smtClean="0"/>
+          </a:p>
+          <a:p>
+            <a:pPr>
+              <a:buNone/>
+            </a:pPr>
+            <a:endParaRPr lang="de-DE" dirty="0" smtClean="0"/>
+          </a:p>
+          <a:p>
+            <a:pPr>
+              <a:buNone/>
+            </a:pPr>
+            <a:endParaRPr lang="de-DE" dirty="0" smtClean="0"/>
+          </a:p>
+          <a:p>
+            <a:pPr>
+              <a:buNone/>
+            </a:pPr>
+            <a:endParaRPr lang="de-DE" dirty="0" smtClean="0"/>
+          </a:p>
+          <a:p>
+            <a:pPr>
+              <a:buNone/>
+            </a:pPr>
+            <a:endParaRPr lang="de-DE" dirty="0" smtClean="0"/>
+          </a:p>
+          <a:p>
+            <a:pPr>
+              <a:buNone/>
+            </a:pPr>
+            <a:endParaRPr lang="de-DE" dirty="0" smtClean="0"/>
+          </a:p>
+          <a:p>
+            <a:pPr>
+              <a:buNone/>
+            </a:pPr>
+            <a:endParaRPr lang="de-DE" dirty="0" smtClean="0"/>
+          </a:p>
+          <a:p>
+            <a:pPr>
+              <a:buNone/>
+            </a:pPr>
+            <a:endParaRPr lang="de-DE" dirty="0" smtClean="0"/>
+          </a:p>
+          <a:p>
+            <a:pPr>
+              <a:buNone/>
+            </a:pPr>
+            <a:endParaRPr lang="de-DE" dirty="0" smtClean="0"/>
+          </a:p>
+          <a:p>
+            <a:pPr>
+              <a:buNone/>
+            </a:pPr>
+            <a:endParaRPr lang="de-DE" dirty="0" smtClean="0"/>
+          </a:p>
+          <a:p>
+            <a:pPr>
+              <a:buNone/>
+            </a:pPr>
+            <a:endParaRPr lang="de-DE" dirty="0"/>
+          </a:p>
+        </p:txBody>
+      </p:sp>
+      <p:sp>
+        <p:nvSpPr>
+          <p:cNvPr id="4" name="Titel 3"/>
+          <p:cNvSpPr>
+            <a:spLocks noGrp="1"/>
+          </p:cNvSpPr>
+          <p:nvPr>
+            <p:ph type="title"/>
+          </p:nvPr>
+        </p:nvSpPr>
+        <p:spPr/>
+        <p:txBody>
+          <a:bodyPr/>
+          <a:lstStyle/>
+          <a:p>
+            <a:r>
+              <a:rPr lang="de-DE" dirty="0" smtClean="0"/>
+              <a:t>Software Beispiel</a:t>
+            </a:r>
+            <a:endParaRPr lang="de-DE" dirty="0"/>
+          </a:p>
+        </p:txBody>
+      </p:sp>
+      <p:pic>
+        <p:nvPicPr>
+          <p:cNvPr id="6" name="Grafik 5" descr="out.png"/>
+          <p:cNvPicPr>
+            <a:picLocks noChangeAspect="1"/>
+          </p:cNvPicPr>
+          <p:nvPr/>
+        </p:nvPicPr>
+        <p:blipFill>
+          <a:blip r:embed="rId2"/>
+          <a:stretch>
+            <a:fillRect/>
+          </a:stretch>
+        </p:blipFill>
+        <p:spPr>
+          <a:xfrm>
+            <a:off x="4429124" y="1000108"/>
+            <a:ext cx="3825735" cy="5305538"/>
+          </a:xfrm>
+          <a:prstGeom prst="rect">
+            <a:avLst/>
+          </a:prstGeom>
+        </p:spPr>
+      </p:pic>
+    </p:spTree>
   </p:cSld>
   <p:clrMapOvr>
     <a:masterClrMapping/>
